--- a/PowerPoint/FLUTTER_EP19.pptx
+++ b/PowerPoint/FLUTTER_EP19.pptx
@@ -1528,7 +1528,7 @@
             <a:fld id="{48A87A34-81AB-432B-8DAE-1953F412C126}" type="datetimeFigureOut">
               <a:rPr lang="en-US" dirty="0"/>
               <a:pPr/>
-              <a:t>07/29/2020</a:t>
+              <a:t>07/30/2020</a:t>
             </a:fld>
             <a:endParaRPr lang="en-US" dirty="0"/>
           </a:p>
@@ -2982,7 +2982,7 @@
           <a:p>
             <a:fld id="{48A87A34-81AB-432B-8DAE-1953F412C126}" type="datetimeFigureOut">
               <a:rPr lang="en-US" dirty="0"/>
-              <a:t>07/29/2020</a:t>
+              <a:t>07/30/2020</a:t>
             </a:fld>
             <a:endParaRPr lang="en-US" dirty="0"/>
           </a:p>
@@ -4430,7 +4430,7 @@
           <a:p>
             <a:fld id="{48A87A34-81AB-432B-8DAE-1953F412C126}" type="datetimeFigureOut">
               <a:rPr lang="en-US" dirty="0"/>
-              <a:t>07/29/2020</a:t>
+              <a:t>07/30/2020</a:t>
             </a:fld>
             <a:endParaRPr lang="en-US" dirty="0"/>
           </a:p>
@@ -5880,7 +5880,7 @@
           <a:p>
             <a:fld id="{48A87A34-81AB-432B-8DAE-1953F412C126}" type="datetimeFigureOut">
               <a:rPr lang="en-US" dirty="0"/>
-              <a:t>07/29/2020</a:t>
+              <a:t>07/30/2020</a:t>
             </a:fld>
             <a:endParaRPr lang="en-US" dirty="0"/>
           </a:p>
@@ -7383,7 +7383,7 @@
           <a:p>
             <a:fld id="{48A87A34-81AB-432B-8DAE-1953F412C126}" type="datetimeFigureOut">
               <a:rPr lang="en-US" dirty="0"/>
-              <a:t>07/29/2020</a:t>
+              <a:t>07/30/2020</a:t>
             </a:fld>
             <a:endParaRPr lang="en-US" dirty="0"/>
           </a:p>
@@ -8899,7 +8899,7 @@
           <a:p>
             <a:fld id="{48A87A34-81AB-432B-8DAE-1953F412C126}" type="datetimeFigureOut">
               <a:rPr lang="en-US" dirty="0"/>
-              <a:t>07/29/2020</a:t>
+              <a:t>07/30/2020</a:t>
             </a:fld>
             <a:endParaRPr lang="en-US" dirty="0"/>
           </a:p>
@@ -10559,7 +10559,7 @@
           <a:p>
             <a:fld id="{48A87A34-81AB-432B-8DAE-1953F412C126}" type="datetimeFigureOut">
               <a:rPr lang="en-US" dirty="0"/>
-              <a:t>07/29/2020</a:t>
+              <a:t>07/30/2020</a:t>
             </a:fld>
             <a:endParaRPr lang="en-US" dirty="0"/>
           </a:p>
@@ -11952,7 +11952,7 @@
           <a:p>
             <a:fld id="{48A87A34-81AB-432B-8DAE-1953F412C126}" type="datetimeFigureOut">
               <a:rPr lang="en-US" dirty="0"/>
-              <a:t>07/29/2020</a:t>
+              <a:t>07/30/2020</a:t>
             </a:fld>
             <a:endParaRPr lang="en-US" dirty="0"/>
           </a:p>
@@ -12047,7 +12047,7 @@
           <a:p>
             <a:fld id="{48A87A34-81AB-432B-8DAE-1953F412C126}" type="datetimeFigureOut">
               <a:rPr lang="en-US" dirty="0"/>
-              <a:t>07/29/2020</a:t>
+              <a:t>07/30/2020</a:t>
             </a:fld>
             <a:endParaRPr lang="en-US" dirty="0"/>
           </a:p>
@@ -13568,7 +13568,7 @@
           <a:p>
             <a:fld id="{48A87A34-81AB-432B-8DAE-1953F412C126}" type="datetimeFigureOut">
               <a:rPr lang="en-US" dirty="0"/>
-              <a:t>07/29/2020</a:t>
+              <a:t>07/30/2020</a:t>
             </a:fld>
             <a:endParaRPr lang="en-US" dirty="0"/>
           </a:p>
@@ -15099,7 +15099,7 @@
           <a:p>
             <a:fld id="{48A87A34-81AB-432B-8DAE-1953F412C126}" type="datetimeFigureOut">
               <a:rPr lang="en-US" dirty="0"/>
-              <a:t>07/29/2020</a:t>
+              <a:t>07/30/2020</a:t>
             </a:fld>
             <a:endParaRPr lang="en-US" dirty="0"/>
           </a:p>
@@ -15345,7 +15345,7 @@
             <a:fld id="{48A87A34-81AB-432B-8DAE-1953F412C126}" type="datetimeFigureOut">
               <a:rPr lang="en-US" dirty="0"/>
               <a:pPr/>
-              <a:t>07/29/2020</a:t>
+              <a:t>07/30/2020</a:t>
             </a:fld>
             <a:endParaRPr lang="en-US" dirty="0"/>
           </a:p>
@@ -15813,20 +15813,12 @@
               <a:rPr lang="en-US" smtClean="0"/>
               <a:t>EP19 </a:t>
             </a:r>
-            <a:r>
-              <a:rPr lang="en-US" smtClean="0"/>
-              <a:t/>
-            </a:r>
             <a:br>
               <a:rPr lang="en-US" smtClean="0"/>
             </a:br>
             <a:r>
               <a:rPr lang="en-US" sz="2800" smtClean="0"/>
-              <a:t>(Input: </a:t>
-            </a:r>
-            <a:r>
-              <a:rPr lang="en-US" sz="2800" smtClean="0"/>
-              <a:t>TextFormField)</a:t>
+              <a:t>(Input: TextFormField)</a:t>
             </a:r>
             <a:endParaRPr lang="en-US" sz="2800"/>
           </a:p>
@@ -15867,11 +15859,7 @@
             </a:r>
             <a:r>
               <a:rPr lang="en-US" smtClean="0"/>
-              <a:t> </a:t>
-            </a:r>
-            <a:r>
-              <a:rPr lang="en-US" smtClean="0"/>
-              <a:t>July 2020</a:t>
+              <a:t> July 2020</a:t>
             </a:r>
           </a:p>
           <a:p>
@@ -16117,6 +16105,10 @@
           <a:bodyPr/>
           <a:lstStyle/>
           <a:p>
+            <a:r>
+              <a:rPr lang="en-US" smtClean="0"/>
+              <a:t>CONCEPT</a:t>
+            </a:r>
             <a:endParaRPr lang="en-US"/>
           </a:p>
         </p:txBody>
@@ -17315,11 +17307,7 @@
           <a:p>
             <a:r>
               <a:rPr lang="en-US" sz="800"/>
-              <a:t>              if (value.isEmpty) {return 'Enter E-mail';}</a:t>
-            </a:r>
-            <a:r>
-              <a:rPr lang="en-US" sz="800"/>
-              <a:t> </a:t>
+              <a:t>              if (value.isEmpty) {return 'Enter E-mail';} </a:t>
             </a:r>
           </a:p>
           <a:p>
